--- a/Apresentação1.pptx
+++ b/Apresentação1.pptx
@@ -289,7 +289,7 @@
             <a:fld id="{38165989-775E-4D0A-ADFC-8FE186C1E65B}" type="datetimeFigureOut">
               <a:rPr lang="pt-BR" smtClean="0"/>
               <a:pPr/>
-              <a:t>28/03/2025</a:t>
+              <a:t>29/03/2025</a:t>
             </a:fld>
             <a:endParaRPr lang="pt-BR"/>
           </a:p>
@@ -456,7 +456,7 @@
             <a:fld id="{38165989-775E-4D0A-ADFC-8FE186C1E65B}" type="datetimeFigureOut">
               <a:rPr lang="pt-BR" smtClean="0"/>
               <a:pPr/>
-              <a:t>28/03/2025</a:t>
+              <a:t>29/03/2025</a:t>
             </a:fld>
             <a:endParaRPr lang="pt-BR"/>
           </a:p>
@@ -633,7 +633,7 @@
             <a:fld id="{38165989-775E-4D0A-ADFC-8FE186C1E65B}" type="datetimeFigureOut">
               <a:rPr lang="pt-BR" smtClean="0"/>
               <a:pPr/>
-              <a:t>28/03/2025</a:t>
+              <a:t>29/03/2025</a:t>
             </a:fld>
             <a:endParaRPr lang="pt-BR"/>
           </a:p>
@@ -800,7 +800,7 @@
             <a:fld id="{38165989-775E-4D0A-ADFC-8FE186C1E65B}" type="datetimeFigureOut">
               <a:rPr lang="pt-BR" smtClean="0"/>
               <a:pPr/>
-              <a:t>28/03/2025</a:t>
+              <a:t>29/03/2025</a:t>
             </a:fld>
             <a:endParaRPr lang="pt-BR"/>
           </a:p>
@@ -1043,7 +1043,7 @@
             <a:fld id="{38165989-775E-4D0A-ADFC-8FE186C1E65B}" type="datetimeFigureOut">
               <a:rPr lang="pt-BR" smtClean="0"/>
               <a:pPr/>
-              <a:t>28/03/2025</a:t>
+              <a:t>29/03/2025</a:t>
             </a:fld>
             <a:endParaRPr lang="pt-BR"/>
           </a:p>
@@ -1328,7 +1328,7 @@
             <a:fld id="{38165989-775E-4D0A-ADFC-8FE186C1E65B}" type="datetimeFigureOut">
               <a:rPr lang="pt-BR" smtClean="0"/>
               <a:pPr/>
-              <a:t>28/03/2025</a:t>
+              <a:t>29/03/2025</a:t>
             </a:fld>
             <a:endParaRPr lang="pt-BR"/>
           </a:p>
@@ -1747,7 +1747,7 @@
             <a:fld id="{38165989-775E-4D0A-ADFC-8FE186C1E65B}" type="datetimeFigureOut">
               <a:rPr lang="pt-BR" smtClean="0"/>
               <a:pPr/>
-              <a:t>28/03/2025</a:t>
+              <a:t>29/03/2025</a:t>
             </a:fld>
             <a:endParaRPr lang="pt-BR"/>
           </a:p>
@@ -1862,7 +1862,7 @@
             <a:fld id="{38165989-775E-4D0A-ADFC-8FE186C1E65B}" type="datetimeFigureOut">
               <a:rPr lang="pt-BR" smtClean="0"/>
               <a:pPr/>
-              <a:t>28/03/2025</a:t>
+              <a:t>29/03/2025</a:t>
             </a:fld>
             <a:endParaRPr lang="pt-BR"/>
           </a:p>
@@ -1954,7 +1954,7 @@
             <a:fld id="{38165989-775E-4D0A-ADFC-8FE186C1E65B}" type="datetimeFigureOut">
               <a:rPr lang="pt-BR" smtClean="0"/>
               <a:pPr/>
-              <a:t>28/03/2025</a:t>
+              <a:t>29/03/2025</a:t>
             </a:fld>
             <a:endParaRPr lang="pt-BR"/>
           </a:p>
@@ -2228,7 +2228,7 @@
             <a:fld id="{38165989-775E-4D0A-ADFC-8FE186C1E65B}" type="datetimeFigureOut">
               <a:rPr lang="pt-BR" smtClean="0"/>
               <a:pPr/>
-              <a:t>28/03/2025</a:t>
+              <a:t>29/03/2025</a:t>
             </a:fld>
             <a:endParaRPr lang="pt-BR"/>
           </a:p>
@@ -2478,7 +2478,7 @@
             <a:fld id="{38165989-775E-4D0A-ADFC-8FE186C1E65B}" type="datetimeFigureOut">
               <a:rPr lang="pt-BR" smtClean="0"/>
               <a:pPr/>
-              <a:t>28/03/2025</a:t>
+              <a:t>29/03/2025</a:t>
             </a:fld>
             <a:endParaRPr lang="pt-BR"/>
           </a:p>
@@ -2688,7 +2688,7 @@
             <a:fld id="{38165989-775E-4D0A-ADFC-8FE186C1E65B}" type="datetimeFigureOut">
               <a:rPr lang="pt-BR" smtClean="0"/>
               <a:pPr/>
-              <a:t>28/03/2025</a:t>
+              <a:t>29/03/2025</a:t>
             </a:fld>
             <a:endParaRPr lang="pt-BR"/>
           </a:p>
@@ -3876,16 +3876,11 @@
               <a:rPr lang="pt-BR" dirty="0" smtClean="0"/>
               <a:t>Lógica </a:t>
             </a:r>
-            <a:endParaRPr lang="pt-BR" dirty="0" smtClean="0"/>
           </a:p>
           <a:p>
             <a:r>
               <a:rPr lang="pt-BR" dirty="0" err="1" smtClean="0"/>
-              <a:t>l</a:t>
-            </a:r>
-            <a:r>
-              <a:rPr lang="pt-BR" dirty="0" err="1" smtClean="0"/>
-              <a:t>ogica</a:t>
+              <a:t>logica</a:t>
             </a:r>
             <a:r>
               <a:rPr lang="pt-BR" dirty="0" smtClean="0"/>
@@ -4363,8 +4358,8 @@
         </p:nvSpPr>
         <p:spPr>
           <a:xfrm>
-            <a:off x="3428992" y="4929198"/>
-            <a:ext cx="1357322" cy="642942"/>
+            <a:off x="3571868" y="4786322"/>
+            <a:ext cx="1357322" cy="785818"/>
           </a:xfrm>
           <a:prstGeom prst="rect">
             <a:avLst/>
@@ -4409,7 +4404,7 @@
         </p:nvSpPr>
         <p:spPr>
           <a:xfrm>
-            <a:off x="3714744" y="5072074"/>
+            <a:off x="3857620" y="4857760"/>
             <a:ext cx="855234" cy="369332"/>
           </a:xfrm>
           <a:prstGeom prst="rect">
@@ -4439,8 +4434,8 @@
         </p:nvSpPr>
         <p:spPr>
           <a:xfrm rot="10800000">
-            <a:off x="2786050" y="5143512"/>
-            <a:ext cx="642942" cy="214314"/>
+            <a:off x="2786050" y="5072074"/>
+            <a:ext cx="785818" cy="285752"/>
           </a:xfrm>
           <a:prstGeom prst="leftArrow">
             <a:avLst/>
@@ -4648,7 +4643,37 @@
           <a:p>
             <a:r>
               <a:rPr lang="pt-BR" dirty="0" smtClean="0"/>
-              <a:t>Ethernet</a:t>
+              <a:t>    WIFI</a:t>
+            </a:r>
+            <a:endParaRPr lang="pt-BR" dirty="0"/>
+          </a:p>
+        </p:txBody>
+      </p:sp>
+      <p:sp>
+        <p:nvSpPr>
+          <p:cNvPr id="40" name="CaixaDeTexto 39"/>
+          <p:cNvSpPr txBox="1"/>
+          <p:nvPr/>
+        </p:nvSpPr>
+        <p:spPr>
+          <a:xfrm>
+            <a:off x="4000496" y="5214950"/>
+            <a:ext cx="482824" cy="369332"/>
+          </a:xfrm>
+          <a:prstGeom prst="rect">
+            <a:avLst/>
+          </a:prstGeom>
+          <a:noFill/>
+        </p:spPr>
+        <p:txBody>
+          <a:bodyPr wrap="none" rtlCol="0">
+            <a:spAutoFit/>
+          </a:bodyPr>
+          <a:lstStyle/>
+          <a:p>
+            <a:r>
+              <a:rPr lang="pt-BR" dirty="0" smtClean="0"/>
+              <a:t>I2C</a:t>
             </a:r>
             <a:endParaRPr lang="pt-BR" dirty="0"/>
           </a:p>
